--- a/Hospitality _Analysis.pptx
+++ b/Hospitality _Analysis.pptx
@@ -1,13 +1,23 @@
 
 <file path=ppt/presentation.xml><?xml version="1.0" encoding="utf-8"?>
-<p:presentation xmlns:a="http://schemas.openxmlformats.org/drawingml/2006/main" xmlns:p="http://schemas.openxmlformats.org/presentationml/2006/main" xmlns:r="http://schemas.openxmlformats.org/officeDocument/2006/relationships" saveSubsetFonts="1">
+<p:presentation xmlns:a="http://schemas.openxmlformats.org/drawingml/2006/main" xmlns:r="http://schemas.openxmlformats.org/officeDocument/2006/relationships" xmlns:p="http://schemas.openxmlformats.org/presentationml/2006/main" saveSubsetFonts="1">
   <p:sldMasterIdLst>
     <p:sldMasterId id="2147483648" r:id="rId1"/>
   </p:sldMasterIdLst>
   <p:sldIdLst>
-    <p:sldId id="256" r:id="rId6"/>
-    <p:sldId id="257" r:id="rId7"/>
-    <p:sldId id="258" r:id="rId8"/>
+    <p:sldId id="256" r:id="rId2"/>
+    <p:sldId id="259" r:id="rId3"/>
+    <p:sldId id="260" r:id="rId4"/>
+    <p:sldId id="261" r:id="rId5"/>
+    <p:sldId id="262" r:id="rId6"/>
+    <p:sldId id="263" r:id="rId7"/>
+    <p:sldId id="264" r:id="rId8"/>
+    <p:sldId id="265" r:id="rId9"/>
+    <p:sldId id="266" r:id="rId10"/>
+    <p:sldId id="267" r:id="rId11"/>
+    <p:sldId id="268" r:id="rId12"/>
+    <p:sldId id="269" r:id="rId13"/>
+    <p:sldId id="270" r:id="rId14"/>
   </p:sldIdLst>
   <p:sldSz cx="12192000" cy="6858000"/>
   <p:notesSz cx="6858000" cy="9144000"/>
@@ -15,8 +25,8 @@
     <a:defPPr>
       <a:defRPr lang="en-US"/>
     </a:defPPr>
-    <a:lvl1pPr algn="l" defTabSz="914400" eaLnBrk="1" hangingPunct="1" latinLnBrk="0" marL="0" rtl="0">
-      <a:defRPr kern="1200" sz="1800">
+    <a:lvl1pPr marL="0" algn="l" defTabSz="914400" rtl="0" eaLnBrk="1" latinLnBrk="0" hangingPunct="1">
+      <a:defRPr sz="1800" kern="1200">
         <a:solidFill>
           <a:schemeClr val="tx1"/>
         </a:solidFill>
@@ -25,8 +35,8 @@
         <a:cs typeface="+mn-cs"/>
       </a:defRPr>
     </a:lvl1pPr>
-    <a:lvl2pPr algn="l" defTabSz="914400" eaLnBrk="1" hangingPunct="1" latinLnBrk="0" marL="457200" rtl="0">
-      <a:defRPr kern="1200" sz="1800">
+    <a:lvl2pPr marL="457200" algn="l" defTabSz="914400" rtl="0" eaLnBrk="1" latinLnBrk="0" hangingPunct="1">
+      <a:defRPr sz="1800" kern="1200">
         <a:solidFill>
           <a:schemeClr val="tx1"/>
         </a:solidFill>
@@ -35,8 +45,8 @@
         <a:cs typeface="+mn-cs"/>
       </a:defRPr>
     </a:lvl2pPr>
-    <a:lvl3pPr algn="l" defTabSz="914400" eaLnBrk="1" hangingPunct="1" latinLnBrk="0" marL="914400" rtl="0">
-      <a:defRPr kern="1200" sz="1800">
+    <a:lvl3pPr marL="914400" algn="l" defTabSz="914400" rtl="0" eaLnBrk="1" latinLnBrk="0" hangingPunct="1">
+      <a:defRPr sz="1800" kern="1200">
         <a:solidFill>
           <a:schemeClr val="tx1"/>
         </a:solidFill>
@@ -45,8 +55,8 @@
         <a:cs typeface="+mn-cs"/>
       </a:defRPr>
     </a:lvl3pPr>
-    <a:lvl4pPr algn="l" defTabSz="914400" eaLnBrk="1" hangingPunct="1" latinLnBrk="0" marL="1371600" rtl="0">
-      <a:defRPr kern="1200" sz="1800">
+    <a:lvl4pPr marL="1371600" algn="l" defTabSz="914400" rtl="0" eaLnBrk="1" latinLnBrk="0" hangingPunct="1">
+      <a:defRPr sz="1800" kern="1200">
         <a:solidFill>
           <a:schemeClr val="tx1"/>
         </a:solidFill>
@@ -55,8 +65,8 @@
         <a:cs typeface="+mn-cs"/>
       </a:defRPr>
     </a:lvl4pPr>
-    <a:lvl5pPr algn="l" defTabSz="914400" eaLnBrk="1" hangingPunct="1" latinLnBrk="0" marL="1828800" rtl="0">
-      <a:defRPr kern="1200" sz="1800">
+    <a:lvl5pPr marL="1828800" algn="l" defTabSz="914400" rtl="0" eaLnBrk="1" latinLnBrk="0" hangingPunct="1">
+      <a:defRPr sz="1800" kern="1200">
         <a:solidFill>
           <a:schemeClr val="tx1"/>
         </a:solidFill>
@@ -65,8 +75,8 @@
         <a:cs typeface="+mn-cs"/>
       </a:defRPr>
     </a:lvl5pPr>
-    <a:lvl6pPr algn="l" defTabSz="914400" eaLnBrk="1" hangingPunct="1" latinLnBrk="0" marL="2286000" rtl="0">
-      <a:defRPr kern="1200" sz="1800">
+    <a:lvl6pPr marL="2286000" algn="l" defTabSz="914400" rtl="0" eaLnBrk="1" latinLnBrk="0" hangingPunct="1">
+      <a:defRPr sz="1800" kern="1200">
         <a:solidFill>
           <a:schemeClr val="tx1"/>
         </a:solidFill>
@@ -75,8 +85,8 @@
         <a:cs typeface="+mn-cs"/>
       </a:defRPr>
     </a:lvl6pPr>
-    <a:lvl7pPr algn="l" defTabSz="914400" eaLnBrk="1" hangingPunct="1" latinLnBrk="0" marL="2743200" rtl="0">
-      <a:defRPr kern="1200" sz="1800">
+    <a:lvl7pPr marL="2743200" algn="l" defTabSz="914400" rtl="0" eaLnBrk="1" latinLnBrk="0" hangingPunct="1">
+      <a:defRPr sz="1800" kern="1200">
         <a:solidFill>
           <a:schemeClr val="tx1"/>
         </a:solidFill>
@@ -85,8 +95,8 @@
         <a:cs typeface="+mn-cs"/>
       </a:defRPr>
     </a:lvl7pPr>
-    <a:lvl8pPr algn="l" defTabSz="914400" eaLnBrk="1" hangingPunct="1" latinLnBrk="0" marL="3200400" rtl="0">
-      <a:defRPr kern="1200" sz="1800">
+    <a:lvl8pPr marL="3200400" algn="l" defTabSz="914400" rtl="0" eaLnBrk="1" latinLnBrk="0" hangingPunct="1">
+      <a:defRPr sz="1800" kern="1200">
         <a:solidFill>
           <a:schemeClr val="tx1"/>
         </a:solidFill>
@@ -95,8 +105,8 @@
         <a:cs typeface="+mn-cs"/>
       </a:defRPr>
     </a:lvl8pPr>
-    <a:lvl9pPr algn="l" defTabSz="914400" eaLnBrk="1" hangingPunct="1" latinLnBrk="0" marL="3657600" rtl="0">
-      <a:defRPr kern="1200" sz="1800">
+    <a:lvl9pPr marL="3657600" algn="l" defTabSz="914400" rtl="0" eaLnBrk="1" latinLnBrk="0" hangingPunct="1">
+      <a:defRPr sz="1800" kern="1200">
         <a:solidFill>
           <a:schemeClr val="tx1"/>
         </a:solidFill>
@@ -106,6 +116,11 @@
       </a:defRPr>
     </a:lvl9pPr>
   </p:defaultTextStyle>
+  <p:extLst>
+    <p:ext uri="{EFAFB233-063F-42B5-8137-9DF3F51BA10A}">
+      <p15:sldGuideLst xmlns:p15="http://schemas.microsoft.com/office/powerpoint/2012/main"/>
+    </p:ext>
+  </p:extLst>
 </p:presentation>
 </file>
 
@@ -256,7 +271,7 @@
           <a:p>
             <a:fld id="{EED1C14C-A143-42F5-B247-D0E800131009}" type="datetimeFigureOut">
               <a:rPr lang="en-US" smtClean="0"/>
-              <a:t>8/15/2018</a:t>
+              <a:t>11/22/2022</a:t>
             </a:fld>
             <a:endParaRPr lang="en-US"/>
           </a:p>
@@ -454,7 +469,7 @@
           <a:p>
             <a:fld id="{EED1C14C-A143-42F5-B247-D0E800131009}" type="datetimeFigureOut">
               <a:rPr lang="en-US" smtClean="0"/>
-              <a:t>8/15/2018</a:t>
+              <a:t>11/22/2022</a:t>
             </a:fld>
             <a:endParaRPr lang="en-US"/>
           </a:p>
@@ -662,7 +677,7 @@
           <a:p>
             <a:fld id="{EED1C14C-A143-42F5-B247-D0E800131009}" type="datetimeFigureOut">
               <a:rPr lang="en-US" smtClean="0"/>
-              <a:t>8/15/2018</a:t>
+              <a:t>11/22/2022</a:t>
             </a:fld>
             <a:endParaRPr lang="en-US"/>
           </a:p>
@@ -860,7 +875,7 @@
           <a:p>
             <a:fld id="{EED1C14C-A143-42F5-B247-D0E800131009}" type="datetimeFigureOut">
               <a:rPr lang="en-US" smtClean="0"/>
-              <a:t>8/15/2018</a:t>
+              <a:t>11/22/2022</a:t>
             </a:fld>
             <a:endParaRPr lang="en-US"/>
           </a:p>
@@ -1135,7 +1150,7 @@
           <a:p>
             <a:fld id="{EED1C14C-A143-42F5-B247-D0E800131009}" type="datetimeFigureOut">
               <a:rPr lang="en-US" smtClean="0"/>
-              <a:t>8/15/2018</a:t>
+              <a:t>11/22/2022</a:t>
             </a:fld>
             <a:endParaRPr lang="en-US"/>
           </a:p>
@@ -1400,7 +1415,7 @@
           <a:p>
             <a:fld id="{EED1C14C-A143-42F5-B247-D0E800131009}" type="datetimeFigureOut">
               <a:rPr lang="en-US" smtClean="0"/>
-              <a:t>8/15/2018</a:t>
+              <a:t>11/22/2022</a:t>
             </a:fld>
             <a:endParaRPr lang="en-US"/>
           </a:p>
@@ -1812,7 +1827,7 @@
           <a:p>
             <a:fld id="{EED1C14C-A143-42F5-B247-D0E800131009}" type="datetimeFigureOut">
               <a:rPr lang="en-US" smtClean="0"/>
-              <a:t>8/15/2018</a:t>
+              <a:t>11/22/2022</a:t>
             </a:fld>
             <a:endParaRPr lang="en-US"/>
           </a:p>
@@ -1953,7 +1968,7 @@
           <a:p>
             <a:fld id="{EED1C14C-A143-42F5-B247-D0E800131009}" type="datetimeFigureOut">
               <a:rPr lang="en-US" smtClean="0"/>
-              <a:t>8/15/2018</a:t>
+              <a:t>11/22/2022</a:t>
             </a:fld>
             <a:endParaRPr lang="en-US"/>
           </a:p>
@@ -2066,7 +2081,7 @@
           <a:p>
             <a:fld id="{EED1C14C-A143-42F5-B247-D0E800131009}" type="datetimeFigureOut">
               <a:rPr lang="en-US" smtClean="0"/>
-              <a:t>8/15/2018</a:t>
+              <a:t>11/22/2022</a:t>
             </a:fld>
             <a:endParaRPr lang="en-US"/>
           </a:p>
@@ -2377,7 +2392,7 @@
           <a:p>
             <a:fld id="{EED1C14C-A143-42F5-B247-D0E800131009}" type="datetimeFigureOut">
               <a:rPr lang="en-US" smtClean="0"/>
-              <a:t>8/15/2018</a:t>
+              <a:t>11/22/2022</a:t>
             </a:fld>
             <a:endParaRPr lang="en-US"/>
           </a:p>
@@ -2665,7 +2680,7 @@
           <a:p>
             <a:fld id="{EED1C14C-A143-42F5-B247-D0E800131009}" type="datetimeFigureOut">
               <a:rPr lang="en-US" smtClean="0"/>
-              <a:t>8/15/2018</a:t>
+              <a:t>11/22/2022</a:t>
             </a:fld>
             <a:endParaRPr lang="en-US"/>
           </a:p>
@@ -2906,7 +2921,7 @@
           <a:p>
             <a:fld id="{EED1C14C-A143-42F5-B247-D0E800131009}" type="datetimeFigureOut">
               <a:rPr lang="en-US" smtClean="0"/>
-              <a:t>8/15/2018</a:t>
+              <a:t>11/22/2022</a:t>
             </a:fld>
             <a:endParaRPr lang="en-US"/>
           </a:p>
@@ -3307,227 +3322,6 @@
 </file>
 
 <file path=ppt/slides/slide1.xml><?xml version="1.0" encoding="utf-8"?>
-<p:sld xmlns:a="http://schemas.openxmlformats.org/drawingml/2006/main" xmlns:p="http://schemas.openxmlformats.org/presentationml/2006/main" xmlns:r="http://schemas.openxmlformats.org/officeDocument/2006/relationships">
-  <p:cSld>
-    <p:spTree>
-      <p:nvGrpSpPr>
-        <p:cNvPr id="1" name=""/>
-        <p:cNvGrpSpPr/>
-        <p:nvPr/>
-      </p:nvGrpSpPr>
-      <p:grpSpPr>
-        <a:xfrm>
-          <a:off x="0" y="0"/>
-          <a:ext cx="0" cy="0"/>
-          <a:chOff x="0" y="0"/>
-          <a:chExt cx="0" cy="0"/>
-        </a:xfrm>
-      </p:grpSpPr>
-      <p:sp>
-        <p:nvSpPr>
-          <p:cNvPr id="0" name="slide1">
-            <a:extLst>
-              <a:ext uri="{FF2B5EF4-FFF2-40B4-BE49-F238E27FC236}">
-                <a16:creationId xmlns:a16="http://schemas.microsoft.com/office/drawing/2014/main" id="{AD19E73B-64AA-46C3-9B48-A01824B381EA}"/>
-              </a:ext>
-            </a:extLst>
-          </p:cNvPr>
-          <p:cNvSpPr>
-            <a:spLocks noGrp="1"/>
-          </p:cNvSpPr>
-          <p:nvPr>
-            <p:ph idx="0" type="ctrTitle"/>
-          </p:nvPr>
-        </p:nvSpPr>
-        <p:spPr/>
-        <p:txBody>
-          <a:bodyPr/>
-          <a:lstStyle/>
-          <a:p>
-            <a:r>
-              <a:rPr dirty="0" lang="en-us">
-                <a:hlinkClick r:id="rId6"/>
-              </a:rPr>
-              <a:t>Hospitality 
-Analysis</a:t>
-            </a:r>
-          </a:p>
-        </p:txBody>
-      </p:sp>
-      <p:sp>
-        <p:nvSpPr>
-          <p:cNvPr id="1" name="slide1">
-            <a:extLst>
-              <a:ext uri="{FF2B5EF4-FFF2-40B4-BE49-F238E27FC236}">
-                <a16:creationId xmlns:a16="http://schemas.microsoft.com/office/drawing/2014/main" id="{0EABDF29-92D7-4C91-9136-6CA98CA51C2A}"/>
-              </a:ext>
-            </a:extLst>
-          </p:cNvPr>
-          <p:cNvSpPr>
-            <a:spLocks noGrp="1"/>
-          </p:cNvSpPr>
-          <p:nvPr>
-            <p:ph idx="1" type="subTitle"/>
-          </p:nvPr>
-        </p:nvSpPr>
-        <p:spPr/>
-        <p:txBody>
-          <a:bodyPr/>
-          <a:lstStyle/>
-          <a:p>
-            <a:r>
-              <a:rPr/>
-              <a:t>File created on: 11/22/2022 3:47:03 PM</a:t>
-            </a:r>
-          </a:p>
-        </p:txBody>
-      </p:sp>
-    </p:spTree>
-    <p:extLst>
-      <p:ext uri="{BB962C8B-B14F-4D97-AF65-F5344CB8AC3E}">
-        <p14:creationId xmlns:p14="http://schemas.microsoft.com/office/powerpoint/2010/main" val="95992585"/>
-      </p:ext>
-    </p:extLst>
-  </p:cSld>
-  <p:clrMapOvr>
-    <a:masterClrMapping/>
-  </p:clrMapOvr>
-</p:sld>
-</file>
-
-<file path=ppt/slides/slide2.xml><?xml version="1.0" encoding="utf-8"?>
-<p:sld xmlns:a="http://schemas.openxmlformats.org/drawingml/2006/main" xmlns:p="http://schemas.openxmlformats.org/presentationml/2006/main" xmlns:r="http://schemas.openxmlformats.org/officeDocument/2006/relationships">
-  <p:cSld>
-    <p:spTree>
-      <p:nvGrpSpPr>
-        <p:cNvPr id="1" name=""/>
-        <p:cNvGrpSpPr/>
-        <p:nvPr/>
-      </p:nvGrpSpPr>
-      <p:grpSpPr>
-        <a:xfrm>
-          <a:off x="0" y="0"/>
-          <a:ext cx="0" cy="0"/>
-          <a:chOff x="0" y="0"/>
-          <a:chExt cx="0" cy="0"/>
-        </a:xfrm>
-      </p:grpSpPr>
-      <p:pic>
-        <p:nvPicPr>
-          <p:cNvPr descr="How expensive is nyc" id="2" name="slide2">
-            <a:extLst>
-              <a:ext uri="{FF2B5EF4-FFF2-40B4-BE49-F238E27FC236}">
-                <a16:creationId xmlns:a16="http://schemas.microsoft.com/office/drawing/2014/main" id="{7E143530-7DCC-4AE8-B303-93050D72D9C3}"/>
-              </a:ext>
-            </a:extLst>
-          </p:cNvPr>
-          <p:cNvPicPr>
-            <a:picLocks noChangeAspect="1"/>
-          </p:cNvPicPr>
-          <p:nvPr/>
-        </p:nvPicPr>
-        <p:blipFill>
-          <a:blip r:embed="rId7">
-            <a:extLst>
-              <a:ext uri="{28A0092B-C50C-407E-A947-70E740481C1C}">
-                <a14:useLocalDpi xmlns:a14="http://schemas.microsoft.com/office/drawing/2010/main" val="0"/>
-              </a:ext>
-            </a:extLst>
-          </a:blip>
-          <a:stretch>
-            <a:fillRect/>
-          </a:stretch>
-        </p:blipFill>
-        <p:spPr>
-          <a:xfrm>
-            <a:off x="4746885" y="0"/>
-            <a:ext cx="2698229" cy="6858000"/>
-          </a:xfrm>
-          <a:prstGeom prst="rect">
-            <a:avLst/>
-          </a:prstGeom>
-        </p:spPr>
-      </p:pic>
-    </p:spTree>
-    <p:extLst>
-      <p:ext uri="{BB962C8B-B14F-4D97-AF65-F5344CB8AC3E}">
-        <p14:creationId xmlns:p14="http://schemas.microsoft.com/office/powerpoint/2010/main" val="95992585"/>
-      </p:ext>
-    </p:extLst>
-  </p:cSld>
-  <p:clrMapOvr>
-    <a:masterClrMapping/>
-  </p:clrMapOvr>
-</p:sld>
-</file>
-
-<file path=ppt/slides/slide3.xml><?xml version="1.0" encoding="utf-8"?>
-<p:sld xmlns:a="http://schemas.openxmlformats.org/drawingml/2006/main" xmlns:p="http://schemas.openxmlformats.org/presentationml/2006/main" xmlns:r="http://schemas.openxmlformats.org/officeDocument/2006/relationships">
-  <p:cSld>
-    <p:spTree>
-      <p:nvGrpSpPr>
-        <p:cNvPr id="1" name=""/>
-        <p:cNvGrpSpPr/>
-        <p:nvPr/>
-      </p:nvGrpSpPr>
-      <p:grpSpPr>
-        <a:xfrm>
-          <a:off x="0" y="0"/>
-          <a:ext cx="0" cy="0"/>
-          <a:chOff x="0" y="0"/>
-          <a:chExt cx="0" cy="0"/>
-        </a:xfrm>
-      </p:grpSpPr>
-      <p:pic>
-        <p:nvPicPr>
-          <p:cNvPr descr="how does it vary from neighbourhood" id="3" name="slide3">
-            <a:extLst>
-              <a:ext uri="{FF2B5EF4-FFF2-40B4-BE49-F238E27FC236}">
-                <a16:creationId xmlns:a16="http://schemas.microsoft.com/office/drawing/2014/main" id="{F62F1BF2-8E58-4E94-812C-40399BB1B91F}"/>
-              </a:ext>
-            </a:extLst>
-          </p:cNvPr>
-          <p:cNvPicPr>
-            <a:picLocks noChangeAspect="1"/>
-          </p:cNvPicPr>
-          <p:nvPr/>
-        </p:nvPicPr>
-        <p:blipFill>
-          <a:blip r:embed="rId8">
-            <a:extLst>
-              <a:ext uri="{28A0092B-C50C-407E-A947-70E740481C1C}">
-                <a14:useLocalDpi xmlns:a14="http://schemas.microsoft.com/office/drawing/2010/main" val="0"/>
-              </a:ext>
-            </a:extLst>
-          </a:blip>
-          <a:stretch>
-            <a:fillRect/>
-          </a:stretch>
-        </p:blipFill>
-        <p:spPr>
-          <a:xfrm>
-            <a:off x="0" y="1912598"/>
-            <a:ext cx="12192000" cy="3032802"/>
-          </a:xfrm>
-          <a:prstGeom prst="rect">
-            <a:avLst/>
-          </a:prstGeom>
-        </p:spPr>
-      </p:pic>
-    </p:spTree>
-    <p:extLst>
-      <p:ext uri="{BB962C8B-B14F-4D97-AF65-F5344CB8AC3E}">
-        <p14:creationId xmlns:p14="http://schemas.microsoft.com/office/powerpoint/2010/main" val="95992585"/>
-      </p:ext>
-    </p:extLst>
-  </p:cSld>
-  <p:clrMapOvr>
-    <a:masterClrMapping/>
-  </p:clrMapOvr>
-</p:sld>
-</file>
-
-<file path=ppt/slides/slideTemplate.xml><?xml version="1.0" encoding="utf-8"?>
 <p:sld xmlns:a="http://schemas.openxmlformats.org/drawingml/2006/main" xmlns:r="http://schemas.openxmlformats.org/officeDocument/2006/relationships" xmlns:p="http://schemas.openxmlformats.org/presentationml/2006/main">
   <p:cSld>
     <p:spTree>
@@ -3544,10 +3338,1751 @@
           <a:chExt cx="0" cy="0"/>
         </a:xfrm>
       </p:grpSpPr>
+      <p:sp>
+        <p:nvSpPr>
+          <p:cNvPr id="2" name="slide1">
+            <a:extLst>
+              <a:ext uri="{FF2B5EF4-FFF2-40B4-BE49-F238E27FC236}">
+                <a16:creationId xmlns:a16="http://schemas.microsoft.com/office/drawing/2014/main" id="{AD19E73B-64AA-46C3-9B48-A01824B381EA}"/>
+              </a:ext>
+            </a:extLst>
+          </p:cNvPr>
+          <p:cNvSpPr>
+            <a:spLocks noGrp="1"/>
+          </p:cNvSpPr>
+          <p:nvPr>
+            <p:ph type="ctrTitle"/>
+          </p:nvPr>
+        </p:nvSpPr>
+        <p:spPr>
+          <a:xfrm>
+            <a:off x="1524000" y="2053092"/>
+            <a:ext cx="9144000" cy="2387600"/>
+          </a:xfrm>
+        </p:spPr>
+        <p:txBody>
+          <a:bodyPr>
+            <a:normAutofit/>
+          </a:bodyPr>
+          <a:lstStyle/>
+          <a:p>
+            <a:r>
+              <a:rPr lang="en-US" dirty="0">
+                <a:hlinkClick r:id="rId2"/>
+              </a:rPr>
+              <a:t>Factors Impacting the expansion into New York City</a:t>
+            </a:r>
+            <a:endParaRPr lang="en-us" dirty="0">
+              <a:hlinkClick r:id="rId2"/>
+            </a:endParaRPr>
+          </a:p>
+        </p:txBody>
+      </p:sp>
+      <p:sp>
+        <p:nvSpPr>
+          <p:cNvPr id="3" name="TextBox 2">
+            <a:extLst>
+              <a:ext uri="{FF2B5EF4-FFF2-40B4-BE49-F238E27FC236}">
+                <a16:creationId xmlns:a16="http://schemas.microsoft.com/office/drawing/2014/main" id="{220EA875-0C71-4E36-9514-01F88F53B27F}"/>
+              </a:ext>
+            </a:extLst>
+          </p:cNvPr>
+          <p:cNvSpPr txBox="1"/>
+          <p:nvPr/>
+        </p:nvSpPr>
+        <p:spPr>
+          <a:xfrm>
+            <a:off x="1749169" y="4653642"/>
+            <a:ext cx="8693662" cy="646331"/>
+          </a:xfrm>
+          <a:prstGeom prst="rect">
+            <a:avLst/>
+          </a:prstGeom>
+          <a:noFill/>
+        </p:spPr>
+        <p:txBody>
+          <a:bodyPr wrap="none" rtlCol="0">
+            <a:spAutoFit/>
+          </a:bodyPr>
+          <a:lstStyle/>
+          <a:p>
+            <a:r>
+              <a:rPr lang="en-IN" dirty="0">
+                <a:hlinkClick r:id="rId3"/>
+              </a:rPr>
+              <a:t>https://public.tableau.com/shared/GCNS93M8W?:display_count=n&amp;:origin=viz_share_link</a:t>
+            </a:r>
+            <a:endParaRPr lang="en-IN" dirty="0"/>
+          </a:p>
+          <a:p>
+            <a:r>
+              <a:rPr lang="en-IN" dirty="0"/>
+              <a:t>To view the Tableau </a:t>
+            </a:r>
+            <a:r>
+              <a:rPr lang="en-IN" dirty="0" err="1"/>
+              <a:t>DashBoard</a:t>
+            </a:r>
+            <a:endParaRPr lang="en-IN" dirty="0"/>
+          </a:p>
+        </p:txBody>
+      </p:sp>
     </p:spTree>
     <p:extLst>
       <p:ext uri="{BB962C8B-B14F-4D97-AF65-F5344CB8AC3E}">
         <p14:creationId xmlns:p14="http://schemas.microsoft.com/office/powerpoint/2010/main" val="95992585"/>
+      </p:ext>
+    </p:extLst>
+  </p:cSld>
+  <p:clrMapOvr>
+    <a:masterClrMapping/>
+  </p:clrMapOvr>
+</p:sld>
+</file>
+
+<file path=ppt/slides/slide10.xml><?xml version="1.0" encoding="utf-8"?>
+<p:sld xmlns:a="http://schemas.openxmlformats.org/drawingml/2006/main" xmlns:r="http://schemas.openxmlformats.org/officeDocument/2006/relationships" xmlns:p="http://schemas.openxmlformats.org/presentationml/2006/main">
+  <p:cSld>
+    <p:spTree>
+      <p:nvGrpSpPr>
+        <p:cNvPr id="1" name=""/>
+        <p:cNvGrpSpPr/>
+        <p:nvPr/>
+      </p:nvGrpSpPr>
+      <p:grpSpPr>
+        <a:xfrm>
+          <a:off x="0" y="0"/>
+          <a:ext cx="0" cy="0"/>
+          <a:chOff x="0" y="0"/>
+          <a:chExt cx="0" cy="0"/>
+        </a:xfrm>
+      </p:grpSpPr>
+      <p:sp>
+        <p:nvSpPr>
+          <p:cNvPr id="2" name="Title 1">
+            <a:extLst>
+              <a:ext uri="{FF2B5EF4-FFF2-40B4-BE49-F238E27FC236}">
+                <a16:creationId xmlns:a16="http://schemas.microsoft.com/office/drawing/2014/main" id="{BCEE1248-7DE9-4109-B4BA-9FF00D589280}"/>
+              </a:ext>
+            </a:extLst>
+          </p:cNvPr>
+          <p:cNvSpPr>
+            <a:spLocks noGrp="1"/>
+          </p:cNvSpPr>
+          <p:nvPr>
+            <p:ph type="title"/>
+          </p:nvPr>
+        </p:nvSpPr>
+        <p:spPr/>
+        <p:txBody>
+          <a:bodyPr/>
+          <a:lstStyle/>
+          <a:p>
+            <a:r>
+              <a:rPr lang="en-US" dirty="0"/>
+              <a:t>New York City is it Expensive</a:t>
+            </a:r>
+            <a:endParaRPr lang="en-IN" dirty="0"/>
+          </a:p>
+        </p:txBody>
+      </p:sp>
+      <p:pic>
+        <p:nvPicPr>
+          <p:cNvPr id="5" name="Content Placeholder 4">
+            <a:extLst>
+              <a:ext uri="{FF2B5EF4-FFF2-40B4-BE49-F238E27FC236}">
+                <a16:creationId xmlns:a16="http://schemas.microsoft.com/office/drawing/2014/main" id="{45CDD4EA-43BC-4719-ADEE-6029E499ABF7}"/>
+              </a:ext>
+            </a:extLst>
+          </p:cNvPr>
+          <p:cNvPicPr>
+            <a:picLocks noGrp="1" noChangeAspect="1"/>
+          </p:cNvPicPr>
+          <p:nvPr>
+            <p:ph idx="1"/>
+          </p:nvPr>
+        </p:nvPicPr>
+        <p:blipFill>
+          <a:blip r:embed="rId2">
+            <a:extLst>
+              <a:ext uri="{28A0092B-C50C-407E-A947-70E740481C1C}">
+                <a14:useLocalDpi xmlns:a14="http://schemas.microsoft.com/office/drawing/2010/main" val="0"/>
+              </a:ext>
+            </a:extLst>
+          </a:blip>
+          <a:stretch>
+            <a:fillRect/>
+          </a:stretch>
+        </p:blipFill>
+        <p:spPr>
+          <a:xfrm>
+            <a:off x="8269091" y="1904453"/>
+            <a:ext cx="3237032" cy="4351338"/>
+          </a:xfrm>
+        </p:spPr>
+      </p:pic>
+      <p:sp>
+        <p:nvSpPr>
+          <p:cNvPr id="6" name="TextBox 5">
+            <a:extLst>
+              <a:ext uri="{FF2B5EF4-FFF2-40B4-BE49-F238E27FC236}">
+                <a16:creationId xmlns:a16="http://schemas.microsoft.com/office/drawing/2014/main" id="{1C191D69-116B-4748-A457-BCDA9999FB7F}"/>
+              </a:ext>
+            </a:extLst>
+          </p:cNvPr>
+          <p:cNvSpPr txBox="1"/>
+          <p:nvPr/>
+        </p:nvSpPr>
+        <p:spPr>
+          <a:xfrm>
+            <a:off x="1066800" y="2144110"/>
+            <a:ext cx="4159469" cy="1477328"/>
+          </a:xfrm>
+          <a:prstGeom prst="rect">
+            <a:avLst/>
+          </a:prstGeom>
+          <a:noFill/>
+        </p:spPr>
+        <p:txBody>
+          <a:bodyPr wrap="square" rtlCol="0">
+            <a:spAutoFit/>
+          </a:bodyPr>
+          <a:lstStyle/>
+          <a:p>
+            <a:r>
+              <a:rPr lang="en-US" dirty="0"/>
+              <a:t>Yes New York city is indeed expensive and the distribution is as</a:t>
+            </a:r>
+            <a:r>
+              <a:rPr lang="en-IN" dirty="0"/>
+              <a:t> expected with Manhattan being the most expensive according to average price Followed up Brooklyn and then Staten Island</a:t>
+            </a:r>
+            <a:endParaRPr lang="en-US" dirty="0"/>
+          </a:p>
+        </p:txBody>
+      </p:sp>
+    </p:spTree>
+    <p:extLst>
+      <p:ext uri="{BB962C8B-B14F-4D97-AF65-F5344CB8AC3E}">
+        <p14:creationId xmlns:p14="http://schemas.microsoft.com/office/powerpoint/2010/main" val="475829494"/>
+      </p:ext>
+    </p:extLst>
+  </p:cSld>
+  <p:clrMapOvr>
+    <a:masterClrMapping/>
+  </p:clrMapOvr>
+</p:sld>
+</file>
+
+<file path=ppt/slides/slide11.xml><?xml version="1.0" encoding="utf-8"?>
+<p:sld xmlns:a="http://schemas.openxmlformats.org/drawingml/2006/main" xmlns:r="http://schemas.openxmlformats.org/officeDocument/2006/relationships" xmlns:p="http://schemas.openxmlformats.org/presentationml/2006/main">
+  <p:cSld>
+    <p:spTree>
+      <p:nvGrpSpPr>
+        <p:cNvPr id="1" name=""/>
+        <p:cNvGrpSpPr/>
+        <p:nvPr/>
+      </p:nvGrpSpPr>
+      <p:grpSpPr>
+        <a:xfrm>
+          <a:off x="0" y="0"/>
+          <a:ext cx="0" cy="0"/>
+          <a:chOff x="0" y="0"/>
+          <a:chExt cx="0" cy="0"/>
+        </a:xfrm>
+      </p:grpSpPr>
+      <p:sp>
+        <p:nvSpPr>
+          <p:cNvPr id="2" name="Title 1">
+            <a:extLst>
+              <a:ext uri="{FF2B5EF4-FFF2-40B4-BE49-F238E27FC236}">
+                <a16:creationId xmlns:a16="http://schemas.microsoft.com/office/drawing/2014/main" id="{ED293778-B6F3-4C14-AECB-0A8C62735BB7}"/>
+              </a:ext>
+            </a:extLst>
+          </p:cNvPr>
+          <p:cNvSpPr>
+            <a:spLocks noGrp="1"/>
+          </p:cNvSpPr>
+          <p:nvPr>
+            <p:ph type="title"/>
+          </p:nvPr>
+        </p:nvSpPr>
+        <p:spPr/>
+        <p:txBody>
+          <a:bodyPr/>
+          <a:lstStyle/>
+          <a:p>
+            <a:r>
+              <a:rPr lang="en-US" dirty="0"/>
+              <a:t>Early Recommendation</a:t>
+            </a:r>
+            <a:endParaRPr lang="en-IN" dirty="0"/>
+          </a:p>
+        </p:txBody>
+      </p:sp>
+      <p:sp>
+        <p:nvSpPr>
+          <p:cNvPr id="3" name="Content Placeholder 2">
+            <a:extLst>
+              <a:ext uri="{FF2B5EF4-FFF2-40B4-BE49-F238E27FC236}">
+                <a16:creationId xmlns:a16="http://schemas.microsoft.com/office/drawing/2014/main" id="{A25F5CA8-E147-4ECA-879E-E85CB43B9650}"/>
+              </a:ext>
+            </a:extLst>
+          </p:cNvPr>
+          <p:cNvSpPr>
+            <a:spLocks noGrp="1"/>
+          </p:cNvSpPr>
+          <p:nvPr>
+            <p:ph idx="1"/>
+          </p:nvPr>
+        </p:nvSpPr>
+        <p:spPr/>
+        <p:txBody>
+          <a:bodyPr/>
+          <a:lstStyle/>
+          <a:p>
+            <a:r>
+              <a:rPr lang="en-US" dirty="0"/>
+              <a:t>We should  focus on Private room type as they are abundantly available and provide for a reasonable price</a:t>
+            </a:r>
+          </a:p>
+          <a:p>
+            <a:endParaRPr lang="en-US" dirty="0"/>
+          </a:p>
+          <a:p>
+            <a:r>
+              <a:rPr lang="en-IN" dirty="0"/>
+              <a:t>We Should Expand into Queens and Bronx as :-</a:t>
+            </a:r>
+          </a:p>
+          <a:p>
+            <a:pPr marL="0" indent="0">
+              <a:buNone/>
+            </a:pPr>
+            <a:r>
+              <a:rPr lang="en-IN" dirty="0">
+                <a:sym typeface="Wingdings" panose="05000000000000000000" pitchFamily="2" charset="2"/>
+              </a:rPr>
+              <a:t></a:t>
+            </a:r>
+            <a:r>
+              <a:rPr lang="en-IN" dirty="0"/>
+              <a:t>they are relatively closer to both Manhattan and Brooklyn which are the main Commercial Areas </a:t>
+            </a:r>
+          </a:p>
+          <a:p>
+            <a:pPr>
+              <a:buFont typeface="Wingdings" panose="05000000000000000000" pitchFamily="2" charset="2"/>
+              <a:buChar char="à"/>
+            </a:pPr>
+            <a:r>
+              <a:rPr lang="en-IN" dirty="0"/>
+              <a:t>In comparison they  are also relatively cheaper</a:t>
+            </a:r>
+          </a:p>
+          <a:p>
+            <a:pPr>
+              <a:buFont typeface="Wingdings" panose="05000000000000000000" pitchFamily="2" charset="2"/>
+              <a:buChar char="à"/>
+            </a:pPr>
+            <a:r>
+              <a:rPr lang="en-IN" dirty="0"/>
+              <a:t>Also completion is  lower when compared into Manhattan and Brooklyn</a:t>
+            </a:r>
+          </a:p>
+        </p:txBody>
+      </p:sp>
+    </p:spTree>
+    <p:extLst>
+      <p:ext uri="{BB962C8B-B14F-4D97-AF65-F5344CB8AC3E}">
+        <p14:creationId xmlns:p14="http://schemas.microsoft.com/office/powerpoint/2010/main" val="786596298"/>
+      </p:ext>
+    </p:extLst>
+  </p:cSld>
+  <p:clrMapOvr>
+    <a:masterClrMapping/>
+  </p:clrMapOvr>
+</p:sld>
+</file>
+
+<file path=ppt/slides/slide12.xml><?xml version="1.0" encoding="utf-8"?>
+<p:sld xmlns:a="http://schemas.openxmlformats.org/drawingml/2006/main" xmlns:r="http://schemas.openxmlformats.org/officeDocument/2006/relationships" xmlns:p="http://schemas.openxmlformats.org/presentationml/2006/main">
+  <p:cSld>
+    <p:spTree>
+      <p:nvGrpSpPr>
+        <p:cNvPr id="1" name=""/>
+        <p:cNvGrpSpPr/>
+        <p:nvPr/>
+      </p:nvGrpSpPr>
+      <p:grpSpPr>
+        <a:xfrm>
+          <a:off x="0" y="0"/>
+          <a:ext cx="0" cy="0"/>
+          <a:chOff x="0" y="0"/>
+          <a:chExt cx="0" cy="0"/>
+        </a:xfrm>
+      </p:grpSpPr>
+      <p:sp>
+        <p:nvSpPr>
+          <p:cNvPr id="2" name="Title 1">
+            <a:extLst>
+              <a:ext uri="{FF2B5EF4-FFF2-40B4-BE49-F238E27FC236}">
+                <a16:creationId xmlns:a16="http://schemas.microsoft.com/office/drawing/2014/main" id="{AF45822D-8F0F-4021-AF6C-DFC9AE8FF1A5}"/>
+              </a:ext>
+            </a:extLst>
+          </p:cNvPr>
+          <p:cNvSpPr>
+            <a:spLocks noGrp="1"/>
+          </p:cNvSpPr>
+          <p:nvPr>
+            <p:ph type="title"/>
+          </p:nvPr>
+        </p:nvSpPr>
+        <p:spPr/>
+        <p:txBody>
+          <a:bodyPr/>
+          <a:lstStyle/>
+          <a:p>
+            <a:r>
+              <a:rPr lang="en-US" dirty="0"/>
+              <a:t>Appendix – Data Sources and Dictionary </a:t>
+            </a:r>
+            <a:endParaRPr lang="en-IN" dirty="0"/>
+          </a:p>
+        </p:txBody>
+      </p:sp>
+      <p:sp>
+        <p:nvSpPr>
+          <p:cNvPr id="3" name="Content Placeholder 2">
+            <a:extLst>
+              <a:ext uri="{FF2B5EF4-FFF2-40B4-BE49-F238E27FC236}">
+                <a16:creationId xmlns:a16="http://schemas.microsoft.com/office/drawing/2014/main" id="{A7AE6789-7F5C-4CA4-8355-D34EFD134C25}"/>
+              </a:ext>
+            </a:extLst>
+          </p:cNvPr>
+          <p:cNvSpPr>
+            <a:spLocks noGrp="1"/>
+          </p:cNvSpPr>
+          <p:nvPr>
+            <p:ph idx="1"/>
+          </p:nvPr>
+        </p:nvSpPr>
+        <p:spPr>
+          <a:xfrm>
+            <a:off x="544286" y="1690688"/>
+            <a:ext cx="4007715" cy="4351338"/>
+          </a:xfrm>
+        </p:spPr>
+        <p:txBody>
+          <a:bodyPr/>
+          <a:lstStyle/>
+          <a:p>
+            <a:r>
+              <a:rPr lang="en-US" dirty="0"/>
+              <a:t>Data from</a:t>
+            </a:r>
+          </a:p>
+          <a:p>
+            <a:pPr marL="0" indent="0">
+              <a:buNone/>
+            </a:pPr>
+            <a:r>
+              <a:rPr lang="en-US" dirty="0"/>
+              <a:t>	  </a:t>
+            </a:r>
+            <a:r>
+              <a:rPr lang="en-IN" dirty="0"/>
+              <a:t>https://raw.githubusercontent.com/som-choudhary/Airbnb/main/Airbnb_new.csv</a:t>
+            </a:r>
+          </a:p>
+          <a:p>
+            <a:pPr marL="0" indent="0">
+              <a:buNone/>
+            </a:pPr>
+            <a:endParaRPr lang="en-IN" dirty="0"/>
+          </a:p>
+        </p:txBody>
+      </p:sp>
+      <p:pic>
+        <p:nvPicPr>
+          <p:cNvPr id="5" name="Picture 4">
+            <a:extLst>
+              <a:ext uri="{FF2B5EF4-FFF2-40B4-BE49-F238E27FC236}">
+                <a16:creationId xmlns:a16="http://schemas.microsoft.com/office/drawing/2014/main" id="{58DBF7BA-FAE2-447B-897D-686B6B6EB7A6}"/>
+              </a:ext>
+            </a:extLst>
+          </p:cNvPr>
+          <p:cNvPicPr>
+            <a:picLocks noChangeAspect="1"/>
+          </p:cNvPicPr>
+          <p:nvPr/>
+        </p:nvPicPr>
+        <p:blipFill>
+          <a:blip r:embed="rId2">
+            <a:extLst>
+              <a:ext uri="{28A0092B-C50C-407E-A947-70E740481C1C}">
+                <a14:useLocalDpi xmlns:a14="http://schemas.microsoft.com/office/drawing/2010/main" val="0"/>
+              </a:ext>
+            </a:extLst>
+          </a:blip>
+          <a:stretch>
+            <a:fillRect/>
+          </a:stretch>
+        </p:blipFill>
+        <p:spPr>
+          <a:xfrm>
+            <a:off x="5921830" y="1690688"/>
+            <a:ext cx="5431970" cy="4511428"/>
+          </a:xfrm>
+          <a:prstGeom prst="rect">
+            <a:avLst/>
+          </a:prstGeom>
+        </p:spPr>
+      </p:pic>
+    </p:spTree>
+    <p:extLst>
+      <p:ext uri="{BB962C8B-B14F-4D97-AF65-F5344CB8AC3E}">
+        <p14:creationId xmlns:p14="http://schemas.microsoft.com/office/powerpoint/2010/main" val="2525534348"/>
+      </p:ext>
+    </p:extLst>
+  </p:cSld>
+  <p:clrMapOvr>
+    <a:masterClrMapping/>
+  </p:clrMapOvr>
+</p:sld>
+</file>
+
+<file path=ppt/slides/slide13.xml><?xml version="1.0" encoding="utf-8"?>
+<p:sld xmlns:a="http://schemas.openxmlformats.org/drawingml/2006/main" xmlns:r="http://schemas.openxmlformats.org/officeDocument/2006/relationships" xmlns:p="http://schemas.openxmlformats.org/presentationml/2006/main">
+  <p:cSld>
+    <p:spTree>
+      <p:nvGrpSpPr>
+        <p:cNvPr id="1" name=""/>
+        <p:cNvGrpSpPr/>
+        <p:nvPr/>
+      </p:nvGrpSpPr>
+      <p:grpSpPr>
+        <a:xfrm>
+          <a:off x="0" y="0"/>
+          <a:ext cx="0" cy="0"/>
+          <a:chOff x="0" y="0"/>
+          <a:chExt cx="0" cy="0"/>
+        </a:xfrm>
+      </p:grpSpPr>
+      <p:sp>
+        <p:nvSpPr>
+          <p:cNvPr id="2" name="Title 1">
+            <a:extLst>
+              <a:ext uri="{FF2B5EF4-FFF2-40B4-BE49-F238E27FC236}">
+                <a16:creationId xmlns:a16="http://schemas.microsoft.com/office/drawing/2014/main" id="{74597A4D-8A33-46CA-BD82-45CF9F87D9A2}"/>
+              </a:ext>
+            </a:extLst>
+          </p:cNvPr>
+          <p:cNvSpPr>
+            <a:spLocks noGrp="1"/>
+          </p:cNvSpPr>
+          <p:nvPr>
+            <p:ph type="title"/>
+          </p:nvPr>
+        </p:nvSpPr>
+        <p:spPr/>
+        <p:txBody>
+          <a:bodyPr/>
+          <a:lstStyle/>
+          <a:p>
+            <a:r>
+              <a:rPr lang="en-US" dirty="0"/>
+              <a:t>Data Methodology</a:t>
+            </a:r>
+            <a:endParaRPr lang="en-IN" dirty="0"/>
+          </a:p>
+        </p:txBody>
+      </p:sp>
+      <p:sp>
+        <p:nvSpPr>
+          <p:cNvPr id="3" name="Content Placeholder 2">
+            <a:extLst>
+              <a:ext uri="{FF2B5EF4-FFF2-40B4-BE49-F238E27FC236}">
+                <a16:creationId xmlns:a16="http://schemas.microsoft.com/office/drawing/2014/main" id="{C38CF513-8225-40AC-B563-7DFFA452862F}"/>
+              </a:ext>
+            </a:extLst>
+          </p:cNvPr>
+          <p:cNvSpPr>
+            <a:spLocks noGrp="1"/>
+          </p:cNvSpPr>
+          <p:nvPr>
+            <p:ph idx="1"/>
+          </p:nvPr>
+        </p:nvSpPr>
+        <p:spPr/>
+        <p:txBody>
+          <a:bodyPr/>
+          <a:lstStyle/>
+          <a:p>
+            <a:r>
+              <a:rPr lang="en-US" dirty="0"/>
+              <a:t>I cleaned up the data and filled up the null values</a:t>
+            </a:r>
+          </a:p>
+          <a:p>
+            <a:r>
+              <a:rPr lang="en-US" dirty="0"/>
+              <a:t>Columns where data is null for the majority are dropped</a:t>
+            </a:r>
+          </a:p>
+          <a:p>
+            <a:r>
+              <a:rPr lang="en-US" dirty="0"/>
+              <a:t>Values are imputed with mean or median depending upon whether there were outliers</a:t>
+            </a:r>
+            <a:endParaRPr lang="en-IN" dirty="0"/>
+          </a:p>
+        </p:txBody>
+      </p:sp>
+    </p:spTree>
+    <p:extLst>
+      <p:ext uri="{BB962C8B-B14F-4D97-AF65-F5344CB8AC3E}">
+        <p14:creationId xmlns:p14="http://schemas.microsoft.com/office/powerpoint/2010/main" val="837565857"/>
+      </p:ext>
+    </p:extLst>
+  </p:cSld>
+  <p:clrMapOvr>
+    <a:masterClrMapping/>
+  </p:clrMapOvr>
+</p:sld>
+</file>
+
+<file path=ppt/slides/slide2.xml><?xml version="1.0" encoding="utf-8"?>
+<p:sld xmlns:a="http://schemas.openxmlformats.org/drawingml/2006/main" xmlns:r="http://schemas.openxmlformats.org/officeDocument/2006/relationships" xmlns:p="http://schemas.openxmlformats.org/presentationml/2006/main">
+  <p:cSld>
+    <p:spTree>
+      <p:nvGrpSpPr>
+        <p:cNvPr id="1" name=""/>
+        <p:cNvGrpSpPr/>
+        <p:nvPr/>
+      </p:nvGrpSpPr>
+      <p:grpSpPr>
+        <a:xfrm>
+          <a:off x="0" y="0"/>
+          <a:ext cx="0" cy="0"/>
+          <a:chOff x="0" y="0"/>
+          <a:chExt cx="0" cy="0"/>
+        </a:xfrm>
+      </p:grpSpPr>
+      <p:sp>
+        <p:nvSpPr>
+          <p:cNvPr id="2" name="Title 1">
+            <a:extLst>
+              <a:ext uri="{FF2B5EF4-FFF2-40B4-BE49-F238E27FC236}">
+                <a16:creationId xmlns:a16="http://schemas.microsoft.com/office/drawing/2014/main" id="{8AACF1DB-F089-446D-8E6C-D5344EE18635}"/>
+              </a:ext>
+            </a:extLst>
+          </p:cNvPr>
+          <p:cNvSpPr>
+            <a:spLocks noGrp="1"/>
+          </p:cNvSpPr>
+          <p:nvPr>
+            <p:ph type="title"/>
+          </p:nvPr>
+        </p:nvSpPr>
+        <p:spPr/>
+        <p:txBody>
+          <a:bodyPr/>
+          <a:lstStyle/>
+          <a:p>
+            <a:pPr algn="ctr"/>
+            <a:r>
+              <a:rPr lang="en-US" dirty="0"/>
+              <a:t>Agenda</a:t>
+            </a:r>
+            <a:endParaRPr lang="en-IN" dirty="0"/>
+          </a:p>
+        </p:txBody>
+      </p:sp>
+      <p:sp>
+        <p:nvSpPr>
+          <p:cNvPr id="3" name="Content Placeholder 2">
+            <a:extLst>
+              <a:ext uri="{FF2B5EF4-FFF2-40B4-BE49-F238E27FC236}">
+                <a16:creationId xmlns:a16="http://schemas.microsoft.com/office/drawing/2014/main" id="{47FCDD45-B5CE-4B9D-969A-23DC66463C04}"/>
+              </a:ext>
+            </a:extLst>
+          </p:cNvPr>
+          <p:cNvSpPr>
+            <a:spLocks noGrp="1"/>
+          </p:cNvSpPr>
+          <p:nvPr>
+            <p:ph idx="1"/>
+          </p:nvPr>
+        </p:nvSpPr>
+        <p:spPr>
+          <a:xfrm>
+            <a:off x="838200" y="2506662"/>
+            <a:ext cx="10515600" cy="4351338"/>
+          </a:xfrm>
+        </p:spPr>
+        <p:txBody>
+          <a:bodyPr/>
+          <a:lstStyle/>
+          <a:p>
+            <a:pPr algn="ctr">
+              <a:buFont typeface="Wingdings" panose="05000000000000000000" pitchFamily="2" charset="2"/>
+              <a:buChar char="Ø"/>
+            </a:pPr>
+            <a:r>
+              <a:rPr lang="en-US" dirty="0"/>
+              <a:t>Objective</a:t>
+            </a:r>
+          </a:p>
+          <a:p>
+            <a:pPr algn="ctr">
+              <a:buFont typeface="Wingdings" panose="05000000000000000000" pitchFamily="2" charset="2"/>
+              <a:buChar char="Ø"/>
+            </a:pPr>
+            <a:r>
+              <a:rPr lang="en-US" dirty="0"/>
+              <a:t>Background</a:t>
+            </a:r>
+          </a:p>
+          <a:p>
+            <a:pPr algn="ctr">
+              <a:buFont typeface="Wingdings" panose="05000000000000000000" pitchFamily="2" charset="2"/>
+              <a:buChar char="Ø"/>
+            </a:pPr>
+            <a:r>
+              <a:rPr lang="en-US" dirty="0"/>
+              <a:t>Key findings</a:t>
+            </a:r>
+          </a:p>
+          <a:p>
+            <a:pPr algn="ctr">
+              <a:buFont typeface="Wingdings" panose="05000000000000000000" pitchFamily="2" charset="2"/>
+              <a:buChar char="Ø"/>
+            </a:pPr>
+            <a:r>
+              <a:rPr lang="en-US" dirty="0"/>
+              <a:t>Recommendation</a:t>
+            </a:r>
+          </a:p>
+          <a:p>
+            <a:pPr algn="ctr">
+              <a:buFont typeface="Wingdings" panose="05000000000000000000" pitchFamily="2" charset="2"/>
+              <a:buChar char="Ø"/>
+            </a:pPr>
+            <a:r>
+              <a:rPr lang="en-US" dirty="0"/>
+              <a:t>Appendix</a:t>
+            </a:r>
+            <a:endParaRPr lang="en-IN" dirty="0"/>
+          </a:p>
+        </p:txBody>
+      </p:sp>
+    </p:spTree>
+    <p:extLst>
+      <p:ext uri="{BB962C8B-B14F-4D97-AF65-F5344CB8AC3E}">
+        <p14:creationId xmlns:p14="http://schemas.microsoft.com/office/powerpoint/2010/main" val="1160326919"/>
+      </p:ext>
+    </p:extLst>
+  </p:cSld>
+  <p:clrMapOvr>
+    <a:masterClrMapping/>
+  </p:clrMapOvr>
+</p:sld>
+</file>
+
+<file path=ppt/slides/slide3.xml><?xml version="1.0" encoding="utf-8"?>
+<p:sld xmlns:a="http://schemas.openxmlformats.org/drawingml/2006/main" xmlns:r="http://schemas.openxmlformats.org/officeDocument/2006/relationships" xmlns:p="http://schemas.openxmlformats.org/presentationml/2006/main">
+  <p:cSld>
+    <p:spTree>
+      <p:nvGrpSpPr>
+        <p:cNvPr id="1" name=""/>
+        <p:cNvGrpSpPr/>
+        <p:nvPr/>
+      </p:nvGrpSpPr>
+      <p:grpSpPr>
+        <a:xfrm>
+          <a:off x="0" y="0"/>
+          <a:ext cx="0" cy="0"/>
+          <a:chOff x="0" y="0"/>
+          <a:chExt cx="0" cy="0"/>
+        </a:xfrm>
+      </p:grpSpPr>
+      <p:sp>
+        <p:nvSpPr>
+          <p:cNvPr id="2" name="Title 1">
+            <a:extLst>
+              <a:ext uri="{FF2B5EF4-FFF2-40B4-BE49-F238E27FC236}">
+                <a16:creationId xmlns:a16="http://schemas.microsoft.com/office/drawing/2014/main" id="{3AEF9B0B-D947-4868-B313-37A9C02D10A8}"/>
+              </a:ext>
+            </a:extLst>
+          </p:cNvPr>
+          <p:cNvSpPr>
+            <a:spLocks noGrp="1"/>
+          </p:cNvSpPr>
+          <p:nvPr>
+            <p:ph type="title"/>
+          </p:nvPr>
+        </p:nvSpPr>
+        <p:spPr/>
+        <p:txBody>
+          <a:bodyPr/>
+          <a:lstStyle/>
+          <a:p>
+            <a:r>
+              <a:rPr lang="en-US" dirty="0"/>
+              <a:t>Objective</a:t>
+            </a:r>
+            <a:endParaRPr lang="en-IN" dirty="0"/>
+          </a:p>
+        </p:txBody>
+      </p:sp>
+      <p:sp>
+        <p:nvSpPr>
+          <p:cNvPr id="3" name="Content Placeholder 2">
+            <a:extLst>
+              <a:ext uri="{FF2B5EF4-FFF2-40B4-BE49-F238E27FC236}">
+                <a16:creationId xmlns:a16="http://schemas.microsoft.com/office/drawing/2014/main" id="{57C1468F-5EBB-4DE5-BA1E-4CB71D24E37E}"/>
+              </a:ext>
+            </a:extLst>
+          </p:cNvPr>
+          <p:cNvSpPr>
+            <a:spLocks noGrp="1"/>
+          </p:cNvSpPr>
+          <p:nvPr>
+            <p:ph idx="1"/>
+          </p:nvPr>
+        </p:nvSpPr>
+        <p:spPr>
+          <a:xfrm>
+            <a:off x="838200" y="2506662"/>
+            <a:ext cx="10515600" cy="4351338"/>
+          </a:xfrm>
+        </p:spPr>
+        <p:txBody>
+          <a:bodyPr/>
+          <a:lstStyle/>
+          <a:p>
+            <a:r>
+              <a:rPr lang="en-US" dirty="0"/>
+              <a:t>Understand New York real estate market</a:t>
+            </a:r>
+          </a:p>
+          <a:p>
+            <a:r>
+              <a:rPr lang="en-US" dirty="0"/>
+              <a:t>Finding areas where competitors are underserving </a:t>
+            </a:r>
+          </a:p>
+          <a:p>
+            <a:r>
+              <a:rPr lang="en-US" dirty="0"/>
+              <a:t>Providing early  Immediate Recommendation</a:t>
+            </a:r>
+            <a:endParaRPr lang="en-IN" dirty="0"/>
+          </a:p>
+        </p:txBody>
+      </p:sp>
+    </p:spTree>
+    <p:extLst>
+      <p:ext uri="{BB962C8B-B14F-4D97-AF65-F5344CB8AC3E}">
+        <p14:creationId xmlns:p14="http://schemas.microsoft.com/office/powerpoint/2010/main" val="1075937162"/>
+      </p:ext>
+    </p:extLst>
+  </p:cSld>
+  <p:clrMapOvr>
+    <a:masterClrMapping/>
+  </p:clrMapOvr>
+</p:sld>
+</file>
+
+<file path=ppt/slides/slide4.xml><?xml version="1.0" encoding="utf-8"?>
+<p:sld xmlns:a="http://schemas.openxmlformats.org/drawingml/2006/main" xmlns:r="http://schemas.openxmlformats.org/officeDocument/2006/relationships" xmlns:p="http://schemas.openxmlformats.org/presentationml/2006/main">
+  <p:cSld>
+    <p:spTree>
+      <p:nvGrpSpPr>
+        <p:cNvPr id="1" name=""/>
+        <p:cNvGrpSpPr/>
+        <p:nvPr/>
+      </p:nvGrpSpPr>
+      <p:grpSpPr>
+        <a:xfrm>
+          <a:off x="0" y="0"/>
+          <a:ext cx="0" cy="0"/>
+          <a:chOff x="0" y="0"/>
+          <a:chExt cx="0" cy="0"/>
+        </a:xfrm>
+      </p:grpSpPr>
+      <p:sp>
+        <p:nvSpPr>
+          <p:cNvPr id="2" name="Title 1">
+            <a:extLst>
+              <a:ext uri="{FF2B5EF4-FFF2-40B4-BE49-F238E27FC236}">
+                <a16:creationId xmlns:a16="http://schemas.microsoft.com/office/drawing/2014/main" id="{60E7A1BE-A5BB-4F0D-AEE5-1738130D9C03}"/>
+              </a:ext>
+            </a:extLst>
+          </p:cNvPr>
+          <p:cNvSpPr>
+            <a:spLocks noGrp="1"/>
+          </p:cNvSpPr>
+          <p:nvPr>
+            <p:ph type="title"/>
+          </p:nvPr>
+        </p:nvSpPr>
+        <p:spPr/>
+        <p:txBody>
+          <a:bodyPr/>
+          <a:lstStyle/>
+          <a:p>
+            <a:r>
+              <a:rPr lang="en-US" dirty="0"/>
+              <a:t>Background</a:t>
+            </a:r>
+            <a:endParaRPr lang="en-IN" dirty="0"/>
+          </a:p>
+        </p:txBody>
+      </p:sp>
+      <p:sp>
+        <p:nvSpPr>
+          <p:cNvPr id="3" name="Content Placeholder 2">
+            <a:extLst>
+              <a:ext uri="{FF2B5EF4-FFF2-40B4-BE49-F238E27FC236}">
+                <a16:creationId xmlns:a16="http://schemas.microsoft.com/office/drawing/2014/main" id="{19AE4969-5FDA-4F2B-8D31-A2986F079F90}"/>
+              </a:ext>
+            </a:extLst>
+          </p:cNvPr>
+          <p:cNvSpPr>
+            <a:spLocks noGrp="1"/>
+          </p:cNvSpPr>
+          <p:nvPr>
+            <p:ph idx="1"/>
+          </p:nvPr>
+        </p:nvSpPr>
+        <p:spPr/>
+        <p:txBody>
+          <a:bodyPr/>
+          <a:lstStyle/>
+          <a:p>
+            <a:r>
+              <a:rPr lang="en-US" sz="2000" dirty="0"/>
+              <a:t>New York City comprises five boroughs, each with a different level of economic activity and number of residential units</a:t>
+            </a:r>
+          </a:p>
+          <a:p>
+            <a:r>
+              <a:rPr lang="en-US" sz="2000" dirty="0"/>
+              <a:t>Midtown Manhattan and Lower Manhattan are the </a:t>
+            </a:r>
+            <a:r>
+              <a:rPr lang="en-US" sz="2000" b="1" dirty="0"/>
+              <a:t>commercial centers </a:t>
+            </a:r>
+            <a:r>
+              <a:rPr lang="en-US" sz="2000" dirty="0"/>
+              <a:t>of New York City. Downtown Brooklyn is a distant second, although growing rapidly.</a:t>
+            </a:r>
+          </a:p>
+          <a:p>
+            <a:r>
+              <a:rPr lang="en-US" sz="2000" dirty="0"/>
+              <a:t>Brooklyn and Queens have </a:t>
+            </a:r>
+            <a:r>
+              <a:rPr lang="en-US" sz="2000" b="1" dirty="0"/>
+              <a:t>the largest residential populations</a:t>
+            </a:r>
+            <a:r>
+              <a:rPr lang="en-US" sz="2000" dirty="0"/>
+              <a:t>. The Bronx is also mostly </a:t>
+            </a:r>
+            <a:r>
+              <a:rPr lang="en-US" sz="2000" b="1" dirty="0"/>
+              <a:t>residentia</a:t>
+            </a:r>
+            <a:r>
+              <a:rPr lang="en-US" sz="2000" dirty="0"/>
+              <a:t>l. </a:t>
+            </a:r>
+          </a:p>
+          <a:p>
+            <a:r>
+              <a:rPr lang="en-US" sz="2000" dirty="0"/>
+              <a:t>Each borough is made up of multiple neighborhoods </a:t>
+            </a:r>
+          </a:p>
+          <a:p>
+            <a:r>
+              <a:rPr lang="en-US" sz="2000" dirty="0"/>
+              <a:t>The commercial neighborhoods are worker destinations, where many of the </a:t>
+            </a:r>
+            <a:r>
+              <a:rPr lang="en-US" sz="2000" b="1" dirty="0"/>
+              <a:t>midlevel jobs </a:t>
+            </a:r>
+            <a:r>
+              <a:rPr lang="en-US" sz="2000" dirty="0"/>
+              <a:t>are located.</a:t>
+            </a:r>
+          </a:p>
+          <a:p>
+            <a:r>
+              <a:rPr lang="en-US" sz="2000" dirty="0"/>
+              <a:t>Many people live in the commercial areas, and many short-term rental units are also available.</a:t>
+            </a:r>
+            <a:endParaRPr lang="en-IN" sz="900" dirty="0"/>
+          </a:p>
+        </p:txBody>
+      </p:sp>
+    </p:spTree>
+    <p:extLst>
+      <p:ext uri="{BB962C8B-B14F-4D97-AF65-F5344CB8AC3E}">
+        <p14:creationId xmlns:p14="http://schemas.microsoft.com/office/powerpoint/2010/main" val="2044829287"/>
+      </p:ext>
+    </p:extLst>
+  </p:cSld>
+  <p:clrMapOvr>
+    <a:masterClrMapping/>
+  </p:clrMapOvr>
+</p:sld>
+</file>
+
+<file path=ppt/slides/slide5.xml><?xml version="1.0" encoding="utf-8"?>
+<p:sld xmlns:a="http://schemas.openxmlformats.org/drawingml/2006/main" xmlns:r="http://schemas.openxmlformats.org/officeDocument/2006/relationships" xmlns:p="http://schemas.openxmlformats.org/presentationml/2006/main">
+  <p:cSld>
+    <p:spTree>
+      <p:nvGrpSpPr>
+        <p:cNvPr id="1" name=""/>
+        <p:cNvGrpSpPr/>
+        <p:nvPr/>
+      </p:nvGrpSpPr>
+      <p:grpSpPr>
+        <a:xfrm>
+          <a:off x="0" y="0"/>
+          <a:ext cx="0" cy="0"/>
+          <a:chOff x="0" y="0"/>
+          <a:chExt cx="0" cy="0"/>
+        </a:xfrm>
+      </p:grpSpPr>
+      <p:sp>
+        <p:nvSpPr>
+          <p:cNvPr id="2" name="Title 1">
+            <a:extLst>
+              <a:ext uri="{FF2B5EF4-FFF2-40B4-BE49-F238E27FC236}">
+                <a16:creationId xmlns:a16="http://schemas.microsoft.com/office/drawing/2014/main" id="{C48FB6A6-78BA-4137-9EE7-DDC0431DFB3E}"/>
+              </a:ext>
+            </a:extLst>
+          </p:cNvPr>
+          <p:cNvSpPr>
+            <a:spLocks noGrp="1"/>
+          </p:cNvSpPr>
+          <p:nvPr>
+            <p:ph type="title"/>
+          </p:nvPr>
+        </p:nvSpPr>
+        <p:spPr>
+          <a:xfrm>
+            <a:off x="838200" y="142416"/>
+            <a:ext cx="10515600" cy="1325563"/>
+          </a:xfrm>
+        </p:spPr>
+        <p:txBody>
+          <a:bodyPr>
+            <a:normAutofit/>
+          </a:bodyPr>
+          <a:lstStyle/>
+          <a:p>
+            <a:r>
+              <a:rPr lang="en-US" sz="3600" dirty="0"/>
+              <a:t>Boroughs having the greatest residential housing stock</a:t>
+            </a:r>
+            <a:endParaRPr lang="en-IN" sz="3600" dirty="0"/>
+          </a:p>
+        </p:txBody>
+      </p:sp>
+      <p:pic>
+        <p:nvPicPr>
+          <p:cNvPr id="5" name="Content Placeholder 4">
+            <a:extLst>
+              <a:ext uri="{FF2B5EF4-FFF2-40B4-BE49-F238E27FC236}">
+                <a16:creationId xmlns:a16="http://schemas.microsoft.com/office/drawing/2014/main" id="{13D45EFC-508F-44F0-9091-4F3C6A85C4B4}"/>
+              </a:ext>
+            </a:extLst>
+          </p:cNvPr>
+          <p:cNvPicPr>
+            <a:picLocks noGrp="1" noChangeAspect="1"/>
+          </p:cNvPicPr>
+          <p:nvPr>
+            <p:ph idx="1"/>
+          </p:nvPr>
+        </p:nvPicPr>
+        <p:blipFill rotWithShape="1">
+          <a:blip r:embed="rId2">
+            <a:extLst>
+              <a:ext uri="{28A0092B-C50C-407E-A947-70E740481C1C}">
+                <a14:useLocalDpi xmlns:a14="http://schemas.microsoft.com/office/drawing/2010/main" val="0"/>
+              </a:ext>
+            </a:extLst>
+          </a:blip>
+          <a:srcRect l="-210" t="16633"/>
+          <a:stretch/>
+        </p:blipFill>
+        <p:spPr>
+          <a:xfrm>
+            <a:off x="5971429" y="4055165"/>
+            <a:ext cx="6071505" cy="2739932"/>
+          </a:xfrm>
+        </p:spPr>
+      </p:pic>
+      <p:sp>
+        <p:nvSpPr>
+          <p:cNvPr id="8" name="TextBox 7">
+            <a:extLst>
+              <a:ext uri="{FF2B5EF4-FFF2-40B4-BE49-F238E27FC236}">
+                <a16:creationId xmlns:a16="http://schemas.microsoft.com/office/drawing/2014/main" id="{E154F8FA-E4A4-4AB2-AD16-E71D2D87BE37}"/>
+              </a:ext>
+            </a:extLst>
+          </p:cNvPr>
+          <p:cNvSpPr txBox="1"/>
+          <p:nvPr/>
+        </p:nvSpPr>
+        <p:spPr>
+          <a:xfrm>
+            <a:off x="572494" y="1645920"/>
+            <a:ext cx="10690171" cy="923330"/>
+          </a:xfrm>
+          <a:prstGeom prst="rect">
+            <a:avLst/>
+          </a:prstGeom>
+          <a:noFill/>
+        </p:spPr>
+        <p:txBody>
+          <a:bodyPr wrap="none" rtlCol="0">
+            <a:spAutoFit/>
+          </a:bodyPr>
+          <a:lstStyle/>
+          <a:p>
+            <a:pPr marL="285750" indent="-285750">
+              <a:buFont typeface="Arial" panose="020B0604020202020204" pitchFamily="34" charset="0"/>
+              <a:buChar char="•"/>
+            </a:pPr>
+            <a:r>
+              <a:rPr lang="en-US" dirty="0"/>
+              <a:t>Currently Brooklyn is the borough which has the highest residential housing stock followed up by Manhattan.</a:t>
+            </a:r>
+          </a:p>
+          <a:p>
+            <a:pPr marL="285750" indent="-285750">
+              <a:buFont typeface="Arial" panose="020B0604020202020204" pitchFamily="34" charset="0"/>
+              <a:buChar char="•"/>
+            </a:pPr>
+            <a:r>
+              <a:rPr lang="en-US" dirty="0"/>
+              <a:t>Queens , Bronx and Staten Island in comparison have very less </a:t>
+            </a:r>
+          </a:p>
+          <a:p>
+            <a:endParaRPr lang="en-IN" dirty="0"/>
+          </a:p>
+        </p:txBody>
+      </p:sp>
+    </p:spTree>
+    <p:extLst>
+      <p:ext uri="{BB962C8B-B14F-4D97-AF65-F5344CB8AC3E}">
+        <p14:creationId xmlns:p14="http://schemas.microsoft.com/office/powerpoint/2010/main" val="2648159324"/>
+      </p:ext>
+    </p:extLst>
+  </p:cSld>
+  <p:clrMapOvr>
+    <a:masterClrMapping/>
+  </p:clrMapOvr>
+</p:sld>
+</file>
+
+<file path=ppt/slides/slide6.xml><?xml version="1.0" encoding="utf-8"?>
+<p:sld xmlns:a="http://schemas.openxmlformats.org/drawingml/2006/main" xmlns:r="http://schemas.openxmlformats.org/officeDocument/2006/relationships" xmlns:p="http://schemas.openxmlformats.org/presentationml/2006/main">
+  <p:cSld>
+    <p:spTree>
+      <p:nvGrpSpPr>
+        <p:cNvPr id="1" name=""/>
+        <p:cNvGrpSpPr/>
+        <p:nvPr/>
+      </p:nvGrpSpPr>
+      <p:grpSpPr>
+        <a:xfrm>
+          <a:off x="0" y="0"/>
+          <a:ext cx="0" cy="0"/>
+          <a:chOff x="0" y="0"/>
+          <a:chExt cx="0" cy="0"/>
+        </a:xfrm>
+      </p:grpSpPr>
+      <p:sp>
+        <p:nvSpPr>
+          <p:cNvPr id="2" name="Title 1">
+            <a:extLst>
+              <a:ext uri="{FF2B5EF4-FFF2-40B4-BE49-F238E27FC236}">
+                <a16:creationId xmlns:a16="http://schemas.microsoft.com/office/drawing/2014/main" id="{2B5A9986-827C-4BA2-B1BE-DA2F4E344C99}"/>
+              </a:ext>
+            </a:extLst>
+          </p:cNvPr>
+          <p:cNvSpPr>
+            <a:spLocks noGrp="1"/>
+          </p:cNvSpPr>
+          <p:nvPr>
+            <p:ph type="title"/>
+          </p:nvPr>
+        </p:nvSpPr>
+        <p:spPr/>
+        <p:txBody>
+          <a:bodyPr/>
+          <a:lstStyle/>
+          <a:p>
+            <a:r>
+              <a:rPr lang="en-US" dirty="0"/>
+              <a:t>How does Price vary among boroughs</a:t>
+            </a:r>
+            <a:endParaRPr lang="en-IN" dirty="0"/>
+          </a:p>
+        </p:txBody>
+      </p:sp>
+      <p:pic>
+        <p:nvPicPr>
+          <p:cNvPr id="5" name="Content Placeholder 4">
+            <a:extLst>
+              <a:ext uri="{FF2B5EF4-FFF2-40B4-BE49-F238E27FC236}">
+                <a16:creationId xmlns:a16="http://schemas.microsoft.com/office/drawing/2014/main" id="{B56F8FF6-1D85-4DD5-A01C-0439130098A6}"/>
+              </a:ext>
+            </a:extLst>
+          </p:cNvPr>
+          <p:cNvPicPr>
+            <a:picLocks noGrp="1" noChangeAspect="1"/>
+          </p:cNvPicPr>
+          <p:nvPr>
+            <p:ph idx="1"/>
+          </p:nvPr>
+        </p:nvPicPr>
+        <p:blipFill>
+          <a:blip r:embed="rId2">
+            <a:extLst>
+              <a:ext uri="{28A0092B-C50C-407E-A947-70E740481C1C}">
+                <a14:useLocalDpi xmlns:a14="http://schemas.microsoft.com/office/drawing/2010/main" val="0"/>
+              </a:ext>
+            </a:extLst>
+          </a:blip>
+          <a:stretch>
+            <a:fillRect/>
+          </a:stretch>
+        </p:blipFill>
+        <p:spPr>
+          <a:xfrm>
+            <a:off x="8215366" y="2141537"/>
+            <a:ext cx="3272409" cy="4351338"/>
+          </a:xfrm>
+        </p:spPr>
+      </p:pic>
+      <p:sp>
+        <p:nvSpPr>
+          <p:cNvPr id="6" name="TextBox 5">
+            <a:extLst>
+              <a:ext uri="{FF2B5EF4-FFF2-40B4-BE49-F238E27FC236}">
+                <a16:creationId xmlns:a16="http://schemas.microsoft.com/office/drawing/2014/main" id="{5C0B51E0-ABC6-48C9-AF89-2B1FB3FE4CAC}"/>
+              </a:ext>
+            </a:extLst>
+          </p:cNvPr>
+          <p:cNvSpPr txBox="1"/>
+          <p:nvPr/>
+        </p:nvSpPr>
+        <p:spPr>
+          <a:xfrm>
+            <a:off x="1025718" y="2520563"/>
+            <a:ext cx="6758609" cy="1754326"/>
+          </a:xfrm>
+          <a:prstGeom prst="rect">
+            <a:avLst/>
+          </a:prstGeom>
+          <a:noFill/>
+        </p:spPr>
+        <p:txBody>
+          <a:bodyPr wrap="square" rtlCol="0">
+            <a:spAutoFit/>
+          </a:bodyPr>
+          <a:lstStyle/>
+          <a:p>
+            <a:pPr marL="285750" indent="-285750">
+              <a:buFont typeface="Arial" panose="020B0604020202020204" pitchFamily="34" charset="0"/>
+              <a:buChar char="•"/>
+            </a:pPr>
+            <a:r>
+              <a:rPr lang="en-US" dirty="0"/>
+              <a:t>The highest cumulative price as well as highest average price is Manhattan  </a:t>
+            </a:r>
+            <a:r>
+              <a:rPr lang="en-IN" dirty="0"/>
+              <a:t>followed up by Brooklyn</a:t>
+            </a:r>
+          </a:p>
+          <a:p>
+            <a:endParaRPr lang="en-IN" dirty="0"/>
+          </a:p>
+          <a:p>
+            <a:pPr marL="285750" indent="-285750">
+              <a:buFont typeface="Arial" panose="020B0604020202020204" pitchFamily="34" charset="0"/>
+              <a:buChar char="•"/>
+            </a:pPr>
+            <a:r>
+              <a:rPr lang="en-IN" dirty="0"/>
+              <a:t>But in terms of average Price per unit Staten Island has overtaken both Queens </a:t>
+            </a:r>
+          </a:p>
+          <a:p>
+            <a:r>
+              <a:rPr lang="en-IN" dirty="0"/>
+              <a:t>     and Bronx</a:t>
+            </a:r>
+          </a:p>
+        </p:txBody>
+      </p:sp>
+    </p:spTree>
+    <p:extLst>
+      <p:ext uri="{BB962C8B-B14F-4D97-AF65-F5344CB8AC3E}">
+        <p14:creationId xmlns:p14="http://schemas.microsoft.com/office/powerpoint/2010/main" val="1378734757"/>
+      </p:ext>
+    </p:extLst>
+  </p:cSld>
+  <p:clrMapOvr>
+    <a:masterClrMapping/>
+  </p:clrMapOvr>
+</p:sld>
+</file>
+
+<file path=ppt/slides/slide7.xml><?xml version="1.0" encoding="utf-8"?>
+<p:sld xmlns:a="http://schemas.openxmlformats.org/drawingml/2006/main" xmlns:r="http://schemas.openxmlformats.org/officeDocument/2006/relationships" xmlns:p="http://schemas.openxmlformats.org/presentationml/2006/main">
+  <p:cSld>
+    <p:spTree>
+      <p:nvGrpSpPr>
+        <p:cNvPr id="1" name=""/>
+        <p:cNvGrpSpPr/>
+        <p:nvPr/>
+      </p:nvGrpSpPr>
+      <p:grpSpPr>
+        <a:xfrm>
+          <a:off x="0" y="0"/>
+          <a:ext cx="0" cy="0"/>
+          <a:chOff x="0" y="0"/>
+          <a:chExt cx="0" cy="0"/>
+        </a:xfrm>
+      </p:grpSpPr>
+      <p:sp>
+        <p:nvSpPr>
+          <p:cNvPr id="2" name="Title 1">
+            <a:extLst>
+              <a:ext uri="{FF2B5EF4-FFF2-40B4-BE49-F238E27FC236}">
+                <a16:creationId xmlns:a16="http://schemas.microsoft.com/office/drawing/2014/main" id="{1DD9404D-C2E6-406F-A319-E49283C1B727}"/>
+              </a:ext>
+            </a:extLst>
+          </p:cNvPr>
+          <p:cNvSpPr>
+            <a:spLocks noGrp="1"/>
+          </p:cNvSpPr>
+          <p:nvPr>
+            <p:ph type="title"/>
+          </p:nvPr>
+        </p:nvSpPr>
+        <p:spPr/>
+        <p:txBody>
+          <a:bodyPr/>
+          <a:lstStyle/>
+          <a:p>
+            <a:r>
+              <a:rPr lang="en-US" dirty="0"/>
+              <a:t>Availability in the boroughs</a:t>
+            </a:r>
+            <a:endParaRPr lang="en-IN" dirty="0"/>
+          </a:p>
+        </p:txBody>
+      </p:sp>
+      <p:pic>
+        <p:nvPicPr>
+          <p:cNvPr id="5" name="Content Placeholder 4">
+            <a:extLst>
+              <a:ext uri="{FF2B5EF4-FFF2-40B4-BE49-F238E27FC236}">
+                <a16:creationId xmlns:a16="http://schemas.microsoft.com/office/drawing/2014/main" id="{6178B743-F8CE-40CF-8923-414B9F16F921}"/>
+              </a:ext>
+            </a:extLst>
+          </p:cNvPr>
+          <p:cNvPicPr>
+            <a:picLocks noGrp="1" noChangeAspect="1"/>
+          </p:cNvPicPr>
+          <p:nvPr>
+            <p:ph idx="1"/>
+          </p:nvPr>
+        </p:nvPicPr>
+        <p:blipFill>
+          <a:blip r:embed="rId2">
+            <a:extLst>
+              <a:ext uri="{28A0092B-C50C-407E-A947-70E740481C1C}">
+                <a14:useLocalDpi xmlns:a14="http://schemas.microsoft.com/office/drawing/2010/main" val="0"/>
+              </a:ext>
+            </a:extLst>
+          </a:blip>
+          <a:stretch>
+            <a:fillRect/>
+          </a:stretch>
+        </p:blipFill>
+        <p:spPr>
+          <a:xfrm>
+            <a:off x="8004683" y="1994336"/>
+            <a:ext cx="3245586" cy="4324515"/>
+          </a:xfrm>
+        </p:spPr>
+      </p:pic>
+      <p:sp>
+        <p:nvSpPr>
+          <p:cNvPr id="6" name="TextBox 5">
+            <a:extLst>
+              <a:ext uri="{FF2B5EF4-FFF2-40B4-BE49-F238E27FC236}">
+                <a16:creationId xmlns:a16="http://schemas.microsoft.com/office/drawing/2014/main" id="{9FDC96B0-2A71-4D78-B758-98114BE3BFD7}"/>
+              </a:ext>
+            </a:extLst>
+          </p:cNvPr>
+          <p:cNvSpPr txBox="1"/>
+          <p:nvPr/>
+        </p:nvSpPr>
+        <p:spPr>
+          <a:xfrm>
+            <a:off x="662151" y="1994336"/>
+            <a:ext cx="6850118" cy="1477328"/>
+          </a:xfrm>
+          <a:prstGeom prst="rect">
+            <a:avLst/>
+          </a:prstGeom>
+          <a:noFill/>
+        </p:spPr>
+        <p:txBody>
+          <a:bodyPr wrap="square" rtlCol="0">
+            <a:spAutoFit/>
+          </a:bodyPr>
+          <a:lstStyle/>
+          <a:p>
+            <a:r>
+              <a:rPr lang="en-US" dirty="0"/>
+              <a:t>Leading the charts in being available for most of the year is Staten Island </a:t>
+            </a:r>
+          </a:p>
+          <a:p>
+            <a:r>
+              <a:rPr lang="en-US" dirty="0"/>
+              <a:t>Followed up by Bronx and then Queens </a:t>
+            </a:r>
+          </a:p>
+          <a:p>
+            <a:r>
+              <a:rPr lang="en-US" dirty="0"/>
+              <a:t>This means that out of 365 days Staten Island in available for the most amount of time(197 days)</a:t>
+            </a:r>
+            <a:endParaRPr lang="en-IN" dirty="0"/>
+          </a:p>
+        </p:txBody>
+      </p:sp>
+    </p:spTree>
+    <p:extLst>
+      <p:ext uri="{BB962C8B-B14F-4D97-AF65-F5344CB8AC3E}">
+        <p14:creationId xmlns:p14="http://schemas.microsoft.com/office/powerpoint/2010/main" val="3919587576"/>
+      </p:ext>
+    </p:extLst>
+  </p:cSld>
+  <p:clrMapOvr>
+    <a:masterClrMapping/>
+  </p:clrMapOvr>
+</p:sld>
+</file>
+
+<file path=ppt/slides/slide8.xml><?xml version="1.0" encoding="utf-8"?>
+<p:sld xmlns:a="http://schemas.openxmlformats.org/drawingml/2006/main" xmlns:r="http://schemas.openxmlformats.org/officeDocument/2006/relationships" xmlns:p="http://schemas.openxmlformats.org/presentationml/2006/main">
+  <p:cSld>
+    <p:spTree>
+      <p:nvGrpSpPr>
+        <p:cNvPr id="1" name=""/>
+        <p:cNvGrpSpPr/>
+        <p:nvPr/>
+      </p:nvGrpSpPr>
+      <p:grpSpPr>
+        <a:xfrm>
+          <a:off x="0" y="0"/>
+          <a:ext cx="0" cy="0"/>
+          <a:chOff x="0" y="0"/>
+          <a:chExt cx="0" cy="0"/>
+        </a:xfrm>
+      </p:grpSpPr>
+      <p:sp>
+        <p:nvSpPr>
+          <p:cNvPr id="2" name="Title 1">
+            <a:extLst>
+              <a:ext uri="{FF2B5EF4-FFF2-40B4-BE49-F238E27FC236}">
+                <a16:creationId xmlns:a16="http://schemas.microsoft.com/office/drawing/2014/main" id="{EEE20AC0-0216-4FF2-AFFF-65D6EA8C2EC8}"/>
+              </a:ext>
+            </a:extLst>
+          </p:cNvPr>
+          <p:cNvSpPr>
+            <a:spLocks noGrp="1"/>
+          </p:cNvSpPr>
+          <p:nvPr>
+            <p:ph type="title"/>
+          </p:nvPr>
+        </p:nvSpPr>
+        <p:spPr/>
+        <p:txBody>
+          <a:bodyPr>
+            <a:normAutofit/>
+          </a:bodyPr>
+          <a:lstStyle/>
+          <a:p>
+            <a:r>
+              <a:rPr lang="en-US" sz="3600" dirty="0"/>
+              <a:t>Hosts which have more than one property for rent(top 10)</a:t>
+            </a:r>
+            <a:endParaRPr lang="en-IN" sz="3600" dirty="0"/>
+          </a:p>
+        </p:txBody>
+      </p:sp>
+      <p:pic>
+        <p:nvPicPr>
+          <p:cNvPr id="5" name="Content Placeholder 4">
+            <a:extLst>
+              <a:ext uri="{FF2B5EF4-FFF2-40B4-BE49-F238E27FC236}">
+                <a16:creationId xmlns:a16="http://schemas.microsoft.com/office/drawing/2014/main" id="{6673A1F8-AB55-4309-B2D0-0412106D47CA}"/>
+              </a:ext>
+            </a:extLst>
+          </p:cNvPr>
+          <p:cNvPicPr>
+            <a:picLocks noGrp="1" noChangeAspect="1"/>
+          </p:cNvPicPr>
+          <p:nvPr>
+            <p:ph idx="1"/>
+          </p:nvPr>
+        </p:nvPicPr>
+        <p:blipFill>
+          <a:blip r:embed="rId2">
+            <a:extLst>
+              <a:ext uri="{28A0092B-C50C-407E-A947-70E740481C1C}">
+                <a14:useLocalDpi xmlns:a14="http://schemas.microsoft.com/office/drawing/2010/main" val="0"/>
+              </a:ext>
+            </a:extLst>
+          </a:blip>
+          <a:stretch>
+            <a:fillRect/>
+          </a:stretch>
+        </p:blipFill>
+        <p:spPr>
+          <a:xfrm>
+            <a:off x="7609694" y="1690688"/>
+            <a:ext cx="3294584" cy="4351338"/>
+          </a:xfrm>
+        </p:spPr>
+      </p:pic>
+      <p:sp>
+        <p:nvSpPr>
+          <p:cNvPr id="6" name="TextBox 5">
+            <a:extLst>
+              <a:ext uri="{FF2B5EF4-FFF2-40B4-BE49-F238E27FC236}">
+                <a16:creationId xmlns:a16="http://schemas.microsoft.com/office/drawing/2014/main" id="{11AD5B89-9E66-4055-A967-4DD4DCAD842F}"/>
+              </a:ext>
+            </a:extLst>
+          </p:cNvPr>
+          <p:cNvSpPr txBox="1"/>
+          <p:nvPr/>
+        </p:nvSpPr>
+        <p:spPr>
+          <a:xfrm>
+            <a:off x="838200" y="1923393"/>
+            <a:ext cx="5192110" cy="1754326"/>
+          </a:xfrm>
+          <a:prstGeom prst="rect">
+            <a:avLst/>
+          </a:prstGeom>
+          <a:noFill/>
+        </p:spPr>
+        <p:txBody>
+          <a:bodyPr wrap="square" rtlCol="0">
+            <a:spAutoFit/>
+          </a:bodyPr>
+          <a:lstStyle/>
+          <a:p>
+            <a:pPr marL="285750" indent="-285750">
+              <a:buFont typeface="Arial" panose="020B0604020202020204" pitchFamily="34" charset="0"/>
+              <a:buChar char="•"/>
+            </a:pPr>
+            <a:r>
+              <a:rPr lang="en-US" dirty="0"/>
+              <a:t>Here all them are concentrated mostly in the regions of Manhattan , followed up by Queens and then Brooklyn</a:t>
+            </a:r>
+          </a:p>
+          <a:p>
+            <a:pPr marL="285750" indent="-285750">
+              <a:buFont typeface="Arial" panose="020B0604020202020204" pitchFamily="34" charset="0"/>
+              <a:buChar char="•"/>
+            </a:pPr>
+            <a:r>
+              <a:rPr lang="en-US" dirty="0"/>
+              <a:t>Here this Maps shows us the list of the top 10 host owners which have the highest number of properties to their name</a:t>
+            </a:r>
+            <a:endParaRPr lang="en-IN" dirty="0"/>
+          </a:p>
+        </p:txBody>
+      </p:sp>
+    </p:spTree>
+    <p:extLst>
+      <p:ext uri="{BB962C8B-B14F-4D97-AF65-F5344CB8AC3E}">
+        <p14:creationId xmlns:p14="http://schemas.microsoft.com/office/powerpoint/2010/main" val="2118939940"/>
+      </p:ext>
+    </p:extLst>
+  </p:cSld>
+  <p:clrMapOvr>
+    <a:masterClrMapping/>
+  </p:clrMapOvr>
+</p:sld>
+</file>
+
+<file path=ppt/slides/slide9.xml><?xml version="1.0" encoding="utf-8"?>
+<p:sld xmlns:a="http://schemas.openxmlformats.org/drawingml/2006/main" xmlns:r="http://schemas.openxmlformats.org/officeDocument/2006/relationships" xmlns:p="http://schemas.openxmlformats.org/presentationml/2006/main">
+  <p:cSld>
+    <p:spTree>
+      <p:nvGrpSpPr>
+        <p:cNvPr id="1" name=""/>
+        <p:cNvGrpSpPr/>
+        <p:nvPr/>
+      </p:nvGrpSpPr>
+      <p:grpSpPr>
+        <a:xfrm>
+          <a:off x="0" y="0"/>
+          <a:ext cx="0" cy="0"/>
+          <a:chOff x="0" y="0"/>
+          <a:chExt cx="0" cy="0"/>
+        </a:xfrm>
+      </p:grpSpPr>
+      <p:sp>
+        <p:nvSpPr>
+          <p:cNvPr id="2" name="Title 1">
+            <a:extLst>
+              <a:ext uri="{FF2B5EF4-FFF2-40B4-BE49-F238E27FC236}">
+                <a16:creationId xmlns:a16="http://schemas.microsoft.com/office/drawing/2014/main" id="{D76CF0F2-E5EC-450B-BF6C-A6E8C872313B}"/>
+              </a:ext>
+            </a:extLst>
+          </p:cNvPr>
+          <p:cNvSpPr>
+            <a:spLocks noGrp="1"/>
+          </p:cNvSpPr>
+          <p:nvPr>
+            <p:ph type="title"/>
+          </p:nvPr>
+        </p:nvSpPr>
+        <p:spPr/>
+        <p:txBody>
+          <a:bodyPr/>
+          <a:lstStyle/>
+          <a:p>
+            <a:r>
+              <a:rPr lang="en-US" dirty="0"/>
+              <a:t>Most common Room Type</a:t>
+            </a:r>
+            <a:endParaRPr lang="en-IN" dirty="0"/>
+          </a:p>
+        </p:txBody>
+      </p:sp>
+      <p:pic>
+        <p:nvPicPr>
+          <p:cNvPr id="5" name="Content Placeholder 4">
+            <a:extLst>
+              <a:ext uri="{FF2B5EF4-FFF2-40B4-BE49-F238E27FC236}">
+                <a16:creationId xmlns:a16="http://schemas.microsoft.com/office/drawing/2014/main" id="{EC8EB70C-E0D5-4CE4-AC54-FFECA3FFE66D}"/>
+              </a:ext>
+            </a:extLst>
+          </p:cNvPr>
+          <p:cNvPicPr>
+            <a:picLocks noGrp="1" noChangeAspect="1"/>
+          </p:cNvPicPr>
+          <p:nvPr>
+            <p:ph idx="1"/>
+          </p:nvPr>
+        </p:nvPicPr>
+        <p:blipFill>
+          <a:blip r:embed="rId2">
+            <a:extLst>
+              <a:ext uri="{28A0092B-C50C-407E-A947-70E740481C1C}">
+                <a14:useLocalDpi xmlns:a14="http://schemas.microsoft.com/office/drawing/2010/main" val="0"/>
+              </a:ext>
+            </a:extLst>
+          </a:blip>
+          <a:stretch>
+            <a:fillRect/>
+          </a:stretch>
+        </p:blipFill>
+        <p:spPr>
+          <a:xfrm>
+            <a:off x="6026746" y="1690688"/>
+            <a:ext cx="4742039" cy="4351338"/>
+          </a:xfrm>
+        </p:spPr>
+      </p:pic>
+      <p:sp>
+        <p:nvSpPr>
+          <p:cNvPr id="6" name="TextBox 5">
+            <a:extLst>
+              <a:ext uri="{FF2B5EF4-FFF2-40B4-BE49-F238E27FC236}">
+                <a16:creationId xmlns:a16="http://schemas.microsoft.com/office/drawing/2014/main" id="{9261EDF8-3529-4C4C-AED5-884AB14216CB}"/>
+              </a:ext>
+            </a:extLst>
+          </p:cNvPr>
+          <p:cNvSpPr txBox="1"/>
+          <p:nvPr/>
+        </p:nvSpPr>
+        <p:spPr>
+          <a:xfrm>
+            <a:off x="591208" y="2167759"/>
+            <a:ext cx="3949262" cy="2031325"/>
+          </a:xfrm>
+          <a:prstGeom prst="rect">
+            <a:avLst/>
+          </a:prstGeom>
+          <a:noFill/>
+        </p:spPr>
+        <p:txBody>
+          <a:bodyPr wrap="square" rtlCol="0">
+            <a:spAutoFit/>
+          </a:bodyPr>
+          <a:lstStyle/>
+          <a:p>
+            <a:pPr marL="285750" indent="-285750">
+              <a:buFont typeface="Arial" panose="020B0604020202020204" pitchFamily="34" charset="0"/>
+              <a:buChar char="•"/>
+            </a:pPr>
+            <a:r>
+              <a:rPr lang="en-US" dirty="0"/>
+              <a:t>Entire home and private room are the most common among the three</a:t>
+            </a:r>
+          </a:p>
+          <a:p>
+            <a:pPr marL="285750" indent="-285750">
+              <a:buFont typeface="Arial" panose="020B0604020202020204" pitchFamily="34" charset="0"/>
+              <a:buChar char="•"/>
+            </a:pPr>
+            <a:endParaRPr lang="en-US" dirty="0"/>
+          </a:p>
+          <a:p>
+            <a:pPr marL="285750" indent="-285750">
+              <a:buFont typeface="Arial" panose="020B0604020202020204" pitchFamily="34" charset="0"/>
+              <a:buChar char="•"/>
+            </a:pPr>
+            <a:r>
+              <a:rPr lang="en-US" dirty="0"/>
+              <a:t>But Looking in terms of price Private room and Shared room are relatively similarly priced whereas entire home is way more costlier</a:t>
+            </a:r>
+            <a:endParaRPr lang="en-IN" dirty="0"/>
+          </a:p>
+        </p:txBody>
+      </p:sp>
+    </p:spTree>
+    <p:extLst>
+      <p:ext uri="{BB962C8B-B14F-4D97-AF65-F5344CB8AC3E}">
+        <p14:creationId xmlns:p14="http://schemas.microsoft.com/office/powerpoint/2010/main" val="3297030534"/>
       </p:ext>
     </p:extLst>
   </p:cSld>
